--- a/presentation.pptx
+++ b/presentation.pptx
@@ -5,21 +5,20 @@
     <p:sldMasterId id="2147483648" r:id="rId1"/>
   </p:sldMasterIdLst>
   <p:notesMasterIdLst>
-    <p:notesMasterId r:id="rId14"/>
+    <p:notesMasterId r:id="rId13"/>
   </p:notesMasterIdLst>
   <p:sldIdLst>
     <p:sldId id="256" r:id="rId2"/>
     <p:sldId id="267" r:id="rId3"/>
     <p:sldId id="258" r:id="rId4"/>
-    <p:sldId id="262" r:id="rId5"/>
-    <p:sldId id="263" r:id="rId6"/>
-    <p:sldId id="259" r:id="rId7"/>
-    <p:sldId id="264" r:id="rId8"/>
-    <p:sldId id="261" r:id="rId9"/>
-    <p:sldId id="265" r:id="rId10"/>
-    <p:sldId id="266" r:id="rId11"/>
+    <p:sldId id="264" r:id="rId5"/>
+    <p:sldId id="259" r:id="rId6"/>
+    <p:sldId id="269" r:id="rId7"/>
+    <p:sldId id="261" r:id="rId8"/>
+    <p:sldId id="268" r:id="rId9"/>
+    <p:sldId id="266" r:id="rId10"/>
+    <p:sldId id="257" r:id="rId11"/>
     <p:sldId id="260" r:id="rId12"/>
-    <p:sldId id="257" r:id="rId13"/>
   </p:sldIdLst>
   <p:sldSz cx="12192000" cy="6858000"/>
   <p:notesSz cx="6858000" cy="9144000"/>
@@ -208,7 +207,7 @@
           <a:p>
             <a:fld id="{B52AE6E5-EBE0-4716-8968-284E3442395C}" type="datetimeFigureOut">
               <a:rPr lang="tr-TR" smtClean="0"/>
-              <a:t>2.06.2022</a:t>
+              <a:t>3.06.2022</a:t>
             </a:fld>
             <a:endParaRPr lang="tr-TR"/>
           </a:p>
@@ -540,7 +539,7 @@
           <a:p>
             <a:fld id="{C30DDFCC-DF6A-4DF1-90E9-03EBA8248F82}" type="slidenum">
               <a:rPr lang="tr-TR" smtClean="0"/>
-              <a:t>12</a:t>
+              <a:t>10</a:t>
             </a:fld>
             <a:endParaRPr lang="tr-TR"/>
           </a:p>
@@ -706,7 +705,7 @@
           <a:p>
             <a:fld id="{0FB22EC3-9A30-4519-9E5B-23922561DD1D}" type="datetimeFigureOut">
               <a:rPr lang="tr-TR" smtClean="0"/>
-              <a:t>2.06.2022</a:t>
+              <a:t>3.06.2022</a:t>
             </a:fld>
             <a:endParaRPr lang="tr-TR"/>
           </a:p>
@@ -904,7 +903,7 @@
           <a:p>
             <a:fld id="{0FB22EC3-9A30-4519-9E5B-23922561DD1D}" type="datetimeFigureOut">
               <a:rPr lang="tr-TR" smtClean="0"/>
-              <a:t>2.06.2022</a:t>
+              <a:t>3.06.2022</a:t>
             </a:fld>
             <a:endParaRPr lang="tr-TR"/>
           </a:p>
@@ -1112,7 +1111,7 @@
           <a:p>
             <a:fld id="{0FB22EC3-9A30-4519-9E5B-23922561DD1D}" type="datetimeFigureOut">
               <a:rPr lang="tr-TR" smtClean="0"/>
-              <a:t>2.06.2022</a:t>
+              <a:t>3.06.2022</a:t>
             </a:fld>
             <a:endParaRPr lang="tr-TR"/>
           </a:p>
@@ -1310,7 +1309,7 @@
           <a:p>
             <a:fld id="{0FB22EC3-9A30-4519-9E5B-23922561DD1D}" type="datetimeFigureOut">
               <a:rPr lang="tr-TR" smtClean="0"/>
-              <a:t>2.06.2022</a:t>
+              <a:t>3.06.2022</a:t>
             </a:fld>
             <a:endParaRPr lang="tr-TR"/>
           </a:p>
@@ -1585,7 +1584,7 @@
           <a:p>
             <a:fld id="{0FB22EC3-9A30-4519-9E5B-23922561DD1D}" type="datetimeFigureOut">
               <a:rPr lang="tr-TR" smtClean="0"/>
-              <a:t>2.06.2022</a:t>
+              <a:t>3.06.2022</a:t>
             </a:fld>
             <a:endParaRPr lang="tr-TR"/>
           </a:p>
@@ -1850,7 +1849,7 @@
           <a:p>
             <a:fld id="{0FB22EC3-9A30-4519-9E5B-23922561DD1D}" type="datetimeFigureOut">
               <a:rPr lang="tr-TR" smtClean="0"/>
-              <a:t>2.06.2022</a:t>
+              <a:t>3.06.2022</a:t>
             </a:fld>
             <a:endParaRPr lang="tr-TR"/>
           </a:p>
@@ -2262,7 +2261,7 @@
           <a:p>
             <a:fld id="{0FB22EC3-9A30-4519-9E5B-23922561DD1D}" type="datetimeFigureOut">
               <a:rPr lang="tr-TR" smtClean="0"/>
-              <a:t>2.06.2022</a:t>
+              <a:t>3.06.2022</a:t>
             </a:fld>
             <a:endParaRPr lang="tr-TR"/>
           </a:p>
@@ -2403,7 +2402,7 @@
           <a:p>
             <a:fld id="{0FB22EC3-9A30-4519-9E5B-23922561DD1D}" type="datetimeFigureOut">
               <a:rPr lang="tr-TR" smtClean="0"/>
-              <a:t>2.06.2022</a:t>
+              <a:t>3.06.2022</a:t>
             </a:fld>
             <a:endParaRPr lang="tr-TR"/>
           </a:p>
@@ -2516,7 +2515,7 @@
           <a:p>
             <a:fld id="{0FB22EC3-9A30-4519-9E5B-23922561DD1D}" type="datetimeFigureOut">
               <a:rPr lang="tr-TR" smtClean="0"/>
-              <a:t>2.06.2022</a:t>
+              <a:t>3.06.2022</a:t>
             </a:fld>
             <a:endParaRPr lang="tr-TR"/>
           </a:p>
@@ -2827,7 +2826,7 @@
           <a:p>
             <a:fld id="{0FB22EC3-9A30-4519-9E5B-23922561DD1D}" type="datetimeFigureOut">
               <a:rPr lang="tr-TR" smtClean="0"/>
-              <a:t>2.06.2022</a:t>
+              <a:t>3.06.2022</a:t>
             </a:fld>
             <a:endParaRPr lang="tr-TR"/>
           </a:p>
@@ -3115,7 +3114,7 @@
           <a:p>
             <a:fld id="{0FB22EC3-9A30-4519-9E5B-23922561DD1D}" type="datetimeFigureOut">
               <a:rPr lang="tr-TR" smtClean="0"/>
-              <a:t>2.06.2022</a:t>
+              <a:t>3.06.2022</a:t>
             </a:fld>
             <a:endParaRPr lang="tr-TR"/>
           </a:p>
@@ -3356,7 +3355,7 @@
           <a:p>
             <a:fld id="{0FB22EC3-9A30-4519-9E5B-23922561DD1D}" type="datetimeFigureOut">
               <a:rPr lang="tr-TR" smtClean="0"/>
-              <a:t>2.06.2022</a:t>
+              <a:t>3.06.2022</a:t>
             </a:fld>
             <a:endParaRPr lang="tr-TR"/>
           </a:p>
@@ -4151,7 +4150,7 @@
           <p:cNvPr id="2" name="Başlık 1">
             <a:extLst>
               <a:ext uri="{FF2B5EF4-FFF2-40B4-BE49-F238E27FC236}">
-                <a16:creationId xmlns:a16="http://schemas.microsoft.com/office/drawing/2014/main" id="{BEFCCFAB-1D78-6F0A-461A-58EAAF03DFD6}"/>
+                <a16:creationId xmlns:a16="http://schemas.microsoft.com/office/drawing/2014/main" id="{E7EAFD33-8876-AE4A-E9FA-7DACB0321A47}"/>
               </a:ext>
             </a:extLst>
           </p:cNvPr>
@@ -4169,7 +4168,7 @@
           <a:p>
             <a:r>
               <a:rPr lang="tr-TR" dirty="0" err="1"/>
-              <a:t>Exceptions</a:t>
+              <a:t>References</a:t>
             </a:r>
             <a:endParaRPr lang="tr-TR" dirty="0"/>
           </a:p>
@@ -4180,7 +4179,7 @@
           <p:cNvPr id="3" name="İçerik Yer Tutucusu 2">
             <a:extLst>
               <a:ext uri="{FF2B5EF4-FFF2-40B4-BE49-F238E27FC236}">
-                <a16:creationId xmlns:a16="http://schemas.microsoft.com/office/drawing/2014/main" id="{E5512357-3D1A-29B1-F9FD-F22F43BE2F1E}"/>
+                <a16:creationId xmlns:a16="http://schemas.microsoft.com/office/drawing/2014/main" id="{D06A7852-FE5C-E500-000C-1A7352EC200E}"/>
               </a:ext>
             </a:extLst>
           </p:cNvPr>
@@ -4193,44 +4192,100 @@
         </p:nvSpPr>
         <p:spPr/>
         <p:txBody>
-          <a:bodyPr/>
-          <a:lstStyle/>
-          <a:p>
-            <a:r>
-              <a:rPr lang="tr-TR" dirty="0" err="1">
-                <a:solidFill>
-                  <a:srgbClr val="FF0000"/>
-                </a:solidFill>
+          <a:bodyPr>
+            <a:normAutofit/>
+          </a:bodyPr>
+          <a:lstStyle/>
+          <a:p>
+            <a:r>
+              <a:rPr lang="tr-TR" dirty="0">
+                <a:hlinkClick r:id="rId3"/>
               </a:rPr>
-              <a:t>android.os.NetworkOnMainThreadException</a:t>
-            </a:r>
-            <a:endParaRPr lang="tr-TR" dirty="0">
-              <a:solidFill>
-                <a:srgbClr val="FF0000"/>
-              </a:solidFill>
-            </a:endParaRPr>
-          </a:p>
-          <a:p>
-            <a:r>
-              <a:rPr lang="tr-TR" dirty="0" err="1">
-                <a:solidFill>
-                  <a:srgbClr val="FF0000"/>
-                </a:solidFill>
+              <a:t>http://kasimadalan.pe.hu/yemekler/</a:t>
+            </a:r>
+            <a:endParaRPr lang="tr-TR" dirty="0"/>
+          </a:p>
+          <a:p>
+            <a:r>
+              <a:rPr lang="tr-TR" dirty="0">
+                <a:hlinkClick r:id="rId4"/>
               </a:rPr>
-              <a:t>java.lang.NullPointerException</a:t>
-            </a:r>
-            <a:endParaRPr lang="tr-TR" dirty="0">
-              <a:solidFill>
-                <a:srgbClr val="FF0000"/>
-              </a:solidFill>
-            </a:endParaRPr>
+              <a:t>https://developer.android.com/guide/</a:t>
+            </a:r>
+            <a:endParaRPr lang="tr-TR" dirty="0"/>
+          </a:p>
+          <a:p>
+            <a:r>
+              <a:rPr lang="tr-TR" dirty="0">
+                <a:hlinkClick r:id="rId5"/>
+              </a:rPr>
+              <a:t>https://stackoverflow.com/questions/</a:t>
+            </a:r>
+            <a:endParaRPr lang="tr-TR" dirty="0"/>
+          </a:p>
+          <a:p>
+            <a:r>
+              <a:rPr lang="tr-TR" dirty="0">
+                <a:hlinkClick r:id="rId6"/>
+              </a:rPr>
+              <a:t>https://play.google.com/store/apps/</a:t>
+            </a:r>
+            <a:endParaRPr lang="tr-TR" dirty="0"/>
+          </a:p>
+          <a:p>
+            <a:r>
+              <a:rPr lang="tr-TR" dirty="0">
+                <a:hlinkClick r:id="rId7"/>
+              </a:rPr>
+              <a:t>https://icon.kitchen/</a:t>
+            </a:r>
+            <a:endParaRPr lang="tr-TR" dirty="0"/>
+          </a:p>
+          <a:p>
+            <a:r>
+              <a:rPr lang="tr-TR" dirty="0">
+                <a:hlinkClick r:id="rId8"/>
+              </a:rPr>
+              <a:t>https://kotlinlang.org/docs/</a:t>
+            </a:r>
+            <a:endParaRPr lang="tr-TR" dirty="0"/>
+          </a:p>
+          <a:p>
+            <a:r>
+              <a:rPr lang="tr-TR" dirty="0">
+                <a:hlinkClick r:id="rId9"/>
+              </a:rPr>
+              <a:t>https://plantuml.com/</a:t>
+            </a:r>
+            <a:endParaRPr lang="tr-TR" dirty="0"/>
+          </a:p>
+          <a:p>
+            <a:r>
+              <a:rPr lang="tr-TR" dirty="0">
+                <a:hlinkClick r:id="rId10"/>
+              </a:rPr>
+              <a:t>https://github.com/mrbllyy/OmersPlace/</a:t>
+            </a:r>
+            <a:endParaRPr lang="tr-TR" dirty="0"/>
+          </a:p>
+          <a:p>
+            <a:pPr marL="0" indent="0">
+              <a:buNone/>
+            </a:pPr>
+            <a:endParaRPr lang="tr-TR" dirty="0"/>
+          </a:p>
+          <a:p>
+            <a:endParaRPr lang="tr-TR" dirty="0"/>
+          </a:p>
+          <a:p>
+            <a:endParaRPr lang="tr-TR" dirty="0"/>
           </a:p>
         </p:txBody>
       </p:sp>
     </p:spTree>
     <p:extLst>
       <p:ext uri="{BB962C8B-B14F-4D97-AF65-F5344CB8AC3E}">
-        <p14:creationId xmlns:p14="http://schemas.microsoft.com/office/powerpoint/2010/main" val="1097812366"/>
+        <p14:creationId xmlns:p14="http://schemas.microsoft.com/office/powerpoint/2010/main" val="682437187"/>
       </p:ext>
     </p:extLst>
   </p:cSld>
@@ -4257,37 +4312,6 @@
           <a:chExt cx="0" cy="0"/>
         </a:xfrm>
       </p:grpSpPr>
-      <p:sp>
-        <p:nvSpPr>
-          <p:cNvPr id="2" name="Başlık 1">
-            <a:extLst>
-              <a:ext uri="{FF2B5EF4-FFF2-40B4-BE49-F238E27FC236}">
-                <a16:creationId xmlns:a16="http://schemas.microsoft.com/office/drawing/2014/main" id="{639D293C-EF96-E1F4-B428-7A2B67640FA9}"/>
-              </a:ext>
-            </a:extLst>
-          </p:cNvPr>
-          <p:cNvSpPr>
-            <a:spLocks noGrp="1"/>
-          </p:cNvSpPr>
-          <p:nvPr>
-            <p:ph type="title"/>
-          </p:nvPr>
-        </p:nvSpPr>
-        <p:spPr>
-          <a:xfrm>
-            <a:off x="838198" y="4360765"/>
-            <a:ext cx="10515600" cy="1325563"/>
-          </a:xfrm>
-        </p:spPr>
-        <p:txBody>
-          <a:bodyPr/>
-          <a:lstStyle/>
-          <a:p>
-            <a:pPr algn="ctr"/>
-            <a:endParaRPr lang="tr-TR" dirty="0"/>
-          </a:p>
-        </p:txBody>
-      </p:sp>
       <p:pic>
         <p:nvPicPr>
           <p:cNvPr id="5" name="107275-question-and-answer-q-a">
@@ -4475,162 +4499,6 @@
 </p:sld>
 </file>
 
-<file path=ppt/slides/slide12.xml><?xml version="1.0" encoding="utf-8"?>
-<p:sld xmlns:a="http://schemas.openxmlformats.org/drawingml/2006/main" xmlns:r="http://schemas.openxmlformats.org/officeDocument/2006/relationships" xmlns:p="http://schemas.openxmlformats.org/presentationml/2006/main">
-  <p:cSld>
-    <p:spTree>
-      <p:nvGrpSpPr>
-        <p:cNvPr id="1" name=""/>
-        <p:cNvGrpSpPr/>
-        <p:nvPr/>
-      </p:nvGrpSpPr>
-      <p:grpSpPr>
-        <a:xfrm>
-          <a:off x="0" y="0"/>
-          <a:ext cx="0" cy="0"/>
-          <a:chOff x="0" y="0"/>
-          <a:chExt cx="0" cy="0"/>
-        </a:xfrm>
-      </p:grpSpPr>
-      <p:sp>
-        <p:nvSpPr>
-          <p:cNvPr id="2" name="Başlık 1">
-            <a:extLst>
-              <a:ext uri="{FF2B5EF4-FFF2-40B4-BE49-F238E27FC236}">
-                <a16:creationId xmlns:a16="http://schemas.microsoft.com/office/drawing/2014/main" id="{E7EAFD33-8876-AE4A-E9FA-7DACB0321A47}"/>
-              </a:ext>
-            </a:extLst>
-          </p:cNvPr>
-          <p:cNvSpPr>
-            <a:spLocks noGrp="1"/>
-          </p:cNvSpPr>
-          <p:nvPr>
-            <p:ph type="title"/>
-          </p:nvPr>
-        </p:nvSpPr>
-        <p:spPr/>
-        <p:txBody>
-          <a:bodyPr/>
-          <a:lstStyle/>
-          <a:p>
-            <a:r>
-              <a:rPr lang="tr-TR" dirty="0" err="1"/>
-              <a:t>References</a:t>
-            </a:r>
-            <a:endParaRPr lang="tr-TR" dirty="0"/>
-          </a:p>
-        </p:txBody>
-      </p:sp>
-      <p:sp>
-        <p:nvSpPr>
-          <p:cNvPr id="3" name="İçerik Yer Tutucusu 2">
-            <a:extLst>
-              <a:ext uri="{FF2B5EF4-FFF2-40B4-BE49-F238E27FC236}">
-                <a16:creationId xmlns:a16="http://schemas.microsoft.com/office/drawing/2014/main" id="{D06A7852-FE5C-E500-000C-1A7352EC200E}"/>
-              </a:ext>
-            </a:extLst>
-          </p:cNvPr>
-          <p:cNvSpPr>
-            <a:spLocks noGrp="1"/>
-          </p:cNvSpPr>
-          <p:nvPr>
-            <p:ph idx="1"/>
-          </p:nvPr>
-        </p:nvSpPr>
-        <p:spPr/>
-        <p:txBody>
-          <a:bodyPr/>
-          <a:lstStyle/>
-          <a:p>
-            <a:r>
-              <a:rPr lang="tr-TR" dirty="0">
-                <a:hlinkClick r:id="rId3"/>
-              </a:rPr>
-              <a:t>http://kasimadalan.pe.hu/yemekler/</a:t>
-            </a:r>
-            <a:endParaRPr lang="tr-TR" dirty="0"/>
-          </a:p>
-          <a:p>
-            <a:r>
-              <a:rPr lang="tr-TR" dirty="0">
-                <a:hlinkClick r:id="rId4"/>
-              </a:rPr>
-              <a:t>https://developer.android.com/guide/</a:t>
-            </a:r>
-            <a:endParaRPr lang="tr-TR" dirty="0"/>
-          </a:p>
-          <a:p>
-            <a:r>
-              <a:rPr lang="tr-TR" dirty="0">
-                <a:hlinkClick r:id="rId5"/>
-              </a:rPr>
-              <a:t>https://stackoverflow.com/questions/</a:t>
-            </a:r>
-            <a:endParaRPr lang="tr-TR" dirty="0"/>
-          </a:p>
-          <a:p>
-            <a:r>
-              <a:rPr lang="tr-TR" dirty="0">
-                <a:hlinkClick r:id="rId6"/>
-              </a:rPr>
-              <a:t>https://play.google.com/store/apps/</a:t>
-            </a:r>
-            <a:endParaRPr lang="tr-TR" dirty="0"/>
-          </a:p>
-          <a:p>
-            <a:r>
-              <a:rPr lang="tr-TR" dirty="0">
-                <a:hlinkClick r:id="rId7"/>
-              </a:rPr>
-              <a:t>https://icon.kitchen/</a:t>
-            </a:r>
-            <a:endParaRPr lang="tr-TR" dirty="0"/>
-          </a:p>
-          <a:p>
-            <a:r>
-              <a:rPr lang="tr-TR" dirty="0">
-                <a:hlinkClick r:id="rId8"/>
-              </a:rPr>
-              <a:t>https://kotlinlang.org/docs/</a:t>
-            </a:r>
-            <a:endParaRPr lang="tr-TR" dirty="0"/>
-          </a:p>
-          <a:p>
-            <a:r>
-              <a:rPr lang="tr-TR" dirty="0">
-                <a:hlinkClick r:id="rId9"/>
-              </a:rPr>
-              <a:t>https://github.com/mrbllyy/OmersPlace/</a:t>
-            </a:r>
-            <a:endParaRPr lang="tr-TR" dirty="0"/>
-          </a:p>
-          <a:p>
-            <a:pPr marL="0" indent="0">
-              <a:buNone/>
-            </a:pPr>
-            <a:endParaRPr lang="tr-TR" dirty="0"/>
-          </a:p>
-          <a:p>
-            <a:endParaRPr lang="tr-TR" dirty="0"/>
-          </a:p>
-          <a:p>
-            <a:endParaRPr lang="tr-TR" dirty="0"/>
-          </a:p>
-        </p:txBody>
-      </p:sp>
-    </p:spTree>
-    <p:extLst>
-      <p:ext uri="{BB962C8B-B14F-4D97-AF65-F5344CB8AC3E}">
-        <p14:creationId xmlns:p14="http://schemas.microsoft.com/office/powerpoint/2010/main" val="682437187"/>
-      </p:ext>
-    </p:extLst>
-  </p:cSld>
-  <p:clrMapOvr>
-    <a:masterClrMapping/>
-  </p:clrMapOvr>
-</p:sld>
-</file>
-
 <file path=ppt/slides/slide2.xml><?xml version="1.0" encoding="utf-8"?>
 <p:sld xmlns:a="http://schemas.openxmlformats.org/drawingml/2006/main" xmlns:r="http://schemas.openxmlformats.org/officeDocument/2006/relationships" xmlns:p="http://schemas.openxmlformats.org/presentationml/2006/main">
   <p:cSld>
@@ -4696,7 +4564,7 @@
         <p:spPr/>
         <p:txBody>
           <a:bodyPr>
-            <a:normAutofit lnSpcReduction="10000"/>
+            <a:normAutofit/>
           </a:bodyPr>
           <a:lstStyle/>
           <a:p>
@@ -4712,14 +4580,7 @@
           <a:p>
             <a:r>
               <a:rPr lang="tr-TR" dirty="0" err="1"/>
-              <a:t>Kotlin</a:t>
-            </a:r>
-            <a:endParaRPr lang="tr-TR" dirty="0"/>
-          </a:p>
-          <a:p>
-            <a:r>
-              <a:rPr lang="tr-TR" dirty="0" err="1"/>
-              <a:t>Coroutines</a:t>
+              <a:t>MotionLayout</a:t>
             </a:r>
             <a:endParaRPr lang="tr-TR" dirty="0"/>
           </a:p>
@@ -4732,13 +4593,6 @@
           </a:p>
           <a:p>
             <a:r>
-              <a:rPr lang="tr-TR" dirty="0" err="1"/>
-              <a:t>MotionLayout</a:t>
-            </a:r>
-            <a:endParaRPr lang="tr-TR" dirty="0"/>
-          </a:p>
-          <a:p>
-            <a:r>
               <a:rPr lang="tr-TR" dirty="0"/>
               <a:t>UML</a:t>
             </a:r>
@@ -4752,16 +4606,16 @@
           </a:p>
           <a:p>
             <a:r>
+              <a:rPr lang="tr-TR" dirty="0" err="1"/>
+              <a:t>References</a:t>
+            </a:r>
+            <a:endParaRPr lang="tr-TR" dirty="0"/>
+          </a:p>
+          <a:p>
+            <a:r>
               <a:rPr lang="tr-TR" dirty="0"/>
               <a:t>Q&amp;A</a:t>
             </a:r>
-          </a:p>
-          <a:p>
-            <a:r>
-              <a:rPr lang="tr-TR" dirty="0" err="1"/>
-              <a:t>References</a:t>
-            </a:r>
-            <a:endParaRPr lang="tr-TR" dirty="0"/>
           </a:p>
           <a:p>
             <a:endParaRPr lang="tr-TR" dirty="0"/>
@@ -4987,7 +4841,7 @@
           <p:cNvPr id="2" name="Başlık 1">
             <a:extLst>
               <a:ext uri="{FF2B5EF4-FFF2-40B4-BE49-F238E27FC236}">
-                <a16:creationId xmlns:a16="http://schemas.microsoft.com/office/drawing/2014/main" id="{E6AFAE02-821A-8CBD-534B-2BCD9BB73FD3}"/>
+                <a16:creationId xmlns:a16="http://schemas.microsoft.com/office/drawing/2014/main" id="{AE01597A-9B0C-6208-B83E-69F65DADB0E8}"/>
               </a:ext>
             </a:extLst>
           </p:cNvPr>
@@ -5004,8 +4858,8 @@
           <a:lstStyle/>
           <a:p>
             <a:r>
-              <a:rPr lang="tr-TR" dirty="0" err="1"/>
-              <a:t>Kotlin</a:t>
+              <a:rPr lang="tr-TR"/>
+              <a:t>MotionLayout</a:t>
             </a:r>
             <a:endParaRPr lang="tr-TR" dirty="0"/>
           </a:p>
@@ -5016,7 +4870,7 @@
           <p:cNvPr id="5" name="İçerik Yer Tutucusu 4">
             <a:extLst>
               <a:ext uri="{FF2B5EF4-FFF2-40B4-BE49-F238E27FC236}">
-                <a16:creationId xmlns:a16="http://schemas.microsoft.com/office/drawing/2014/main" id="{ADDD339E-D374-E4E0-0DEF-B8F0C15D5D89}"/>
+                <a16:creationId xmlns:a16="http://schemas.microsoft.com/office/drawing/2014/main" id="{D2D4C9D0-00FC-4A2B-C738-9B6C5893AC40}"/>
               </a:ext>
             </a:extLst>
           </p:cNvPr>
@@ -5041,15 +4895,245 @@
         </p:blipFill>
         <p:spPr>
           <a:xfrm>
-            <a:off x="7543800" y="1524000"/>
-            <a:ext cx="3810000" cy="3810000"/>
+            <a:off x="4547118" y="1686508"/>
+            <a:ext cx="3097763" cy="1742492"/>
           </a:xfrm>
         </p:spPr>
       </p:pic>
+      <p:graphicFrame>
+        <p:nvGraphicFramePr>
+          <p:cNvPr id="11" name="Tablo 12">
+            <a:extLst>
+              <a:ext uri="{FF2B5EF4-FFF2-40B4-BE49-F238E27FC236}">
+                <a16:creationId xmlns:a16="http://schemas.microsoft.com/office/drawing/2014/main" id="{4E3D394B-710C-1701-7C4D-502103FD493C}"/>
+              </a:ext>
+            </a:extLst>
+          </p:cNvPr>
+          <p:cNvGraphicFramePr>
+            <a:graphicFrameLocks noGrp="1"/>
+          </p:cNvGraphicFramePr>
+          <p:nvPr>
+            <p:extLst>
+              <p:ext uri="{D42A27DB-BD31-4B8C-83A1-F6EECF244321}">
+                <p14:modId xmlns:p14="http://schemas.microsoft.com/office/powerpoint/2010/main" val="213287900"/>
+              </p:ext>
+            </p:extLst>
+          </p:nvPr>
+        </p:nvGraphicFramePr>
+        <p:xfrm>
+          <a:off x="2031999" y="4100195"/>
+          <a:ext cx="8128000" cy="2392680"/>
+        </p:xfrm>
+        <a:graphic>
+          <a:graphicData uri="http://schemas.openxmlformats.org/drawingml/2006/table">
+            <a:tbl>
+              <a:tblPr firstRow="1" bandRow="1">
+                <a:tableStyleId>{5C22544A-7EE6-4342-B048-85BDC9FD1C3A}</a:tableStyleId>
+              </a:tblPr>
+              <a:tblGrid>
+                <a:gridCol w="3125217">
+                  <a:extLst>
+                    <a:ext uri="{9D8B030D-6E8A-4147-A177-3AD203B41FA5}">
+                      <a16:colId xmlns:a16="http://schemas.microsoft.com/office/drawing/2014/main" val="471188101"/>
+                    </a:ext>
+                  </a:extLst>
+                </a:gridCol>
+                <a:gridCol w="5002783">
+                  <a:extLst>
+                    <a:ext uri="{9D8B030D-6E8A-4147-A177-3AD203B41FA5}">
+                      <a16:colId xmlns:a16="http://schemas.microsoft.com/office/drawing/2014/main" val="337048976"/>
+                    </a:ext>
+                  </a:extLst>
+                </a:gridCol>
+              </a:tblGrid>
+              <a:tr h="370840">
+                <a:tc>
+                  <a:txBody>
+                    <a:bodyPr/>
+                    <a:lstStyle/>
+                    <a:p>
+                      <a:r>
+                        <a:rPr lang="tr-TR" dirty="0" err="1"/>
+                        <a:t>Tags</a:t>
+                      </a:r>
+                      <a:endParaRPr lang="tr-TR" dirty="0"/>
+                    </a:p>
+                  </a:txBody>
+                  <a:tcPr anchor="ctr"/>
+                </a:tc>
+                <a:tc>
+                  <a:txBody>
+                    <a:bodyPr/>
+                    <a:lstStyle/>
+                    <a:p>
+                      <a:r>
+                        <a:rPr lang="tr-TR" dirty="0" err="1"/>
+                        <a:t>Description</a:t>
+                      </a:r>
+                      <a:endParaRPr lang="tr-TR" dirty="0"/>
+                    </a:p>
+                  </a:txBody>
+                  <a:tcPr anchor="ctr"/>
+                </a:tc>
+                <a:extLst>
+                  <a:ext uri="{0D108BD9-81ED-4DB2-BD59-A6C34878D82A}">
+                    <a16:rowId xmlns:a16="http://schemas.microsoft.com/office/drawing/2014/main" val="957135675"/>
+                  </a:ext>
+                </a:extLst>
+              </a:tr>
+              <a:tr h="370840">
+                <a:tc>
+                  <a:txBody>
+                    <a:bodyPr/>
+                    <a:lstStyle/>
+                    <a:p>
+                      <a:r>
+                        <a:rPr lang="tr-TR"/>
+                        <a:t>&lt;StateSet&gt; </a:t>
+                      </a:r>
+                    </a:p>
+                  </a:txBody>
+                  <a:tcPr anchor="ctr"/>
+                </a:tc>
+                <a:tc>
+                  <a:txBody>
+                    <a:bodyPr/>
+                    <a:lstStyle/>
+                    <a:p>
+                      <a:r>
+                        <a:rPr lang="en-US"/>
+                        <a:t>Describes states supported by the system (optional)</a:t>
+                      </a:r>
+                    </a:p>
+                  </a:txBody>
+                  <a:tcPr anchor="ctr"/>
+                </a:tc>
+                <a:extLst>
+                  <a:ext uri="{0D108BD9-81ED-4DB2-BD59-A6C34878D82A}">
+                    <a16:rowId xmlns:a16="http://schemas.microsoft.com/office/drawing/2014/main" val="890549816"/>
+                  </a:ext>
+                </a:extLst>
+              </a:tr>
+              <a:tr h="370840">
+                <a:tc>
+                  <a:txBody>
+                    <a:bodyPr/>
+                    <a:lstStyle/>
+                    <a:p>
+                      <a:r>
+                        <a:rPr lang="tr-TR"/>
+                        <a:t>&lt;ConstraintSet&gt; </a:t>
+                      </a:r>
+                    </a:p>
+                  </a:txBody>
+                  <a:tcPr anchor="ctr"/>
+                </a:tc>
+                <a:tc>
+                  <a:txBody>
+                    <a:bodyPr/>
+                    <a:lstStyle/>
+                    <a:p>
+                      <a:r>
+                        <a:rPr lang="tr-TR"/>
+                        <a:t>Describes a constraint set</a:t>
+                      </a:r>
+                    </a:p>
+                  </a:txBody>
+                  <a:tcPr anchor="ctr"/>
+                </a:tc>
+                <a:extLst>
+                  <a:ext uri="{0D108BD9-81ED-4DB2-BD59-A6C34878D82A}">
+                    <a16:rowId xmlns:a16="http://schemas.microsoft.com/office/drawing/2014/main" val="2524372612"/>
+                  </a:ext>
+                </a:extLst>
+              </a:tr>
+              <a:tr h="370840">
+                <a:tc>
+                  <a:txBody>
+                    <a:bodyPr/>
+                    <a:lstStyle/>
+                    <a:p>
+                      <a:r>
+                        <a:rPr lang="tr-TR" dirty="0"/>
+                        <a:t>&lt;</a:t>
+                      </a:r>
+                      <a:r>
+                        <a:rPr lang="tr-TR" dirty="0" err="1"/>
+                        <a:t>Transition</a:t>
+                      </a:r>
+                      <a:r>
+                        <a:rPr lang="tr-TR" dirty="0"/>
+                        <a:t>&gt; </a:t>
+                      </a:r>
+                    </a:p>
+                  </a:txBody>
+                  <a:tcPr anchor="ctr"/>
+                </a:tc>
+                <a:tc>
+                  <a:txBody>
+                    <a:bodyPr/>
+                    <a:lstStyle/>
+                    <a:p>
+                      <a:r>
+                        <a:rPr lang="en-US"/>
+                        <a:t>Describes a transition between two states or ConstraintSets</a:t>
+                      </a:r>
+                    </a:p>
+                  </a:txBody>
+                  <a:tcPr anchor="ctr"/>
+                </a:tc>
+                <a:extLst>
+                  <a:ext uri="{0D108BD9-81ED-4DB2-BD59-A6C34878D82A}">
+                    <a16:rowId xmlns:a16="http://schemas.microsoft.com/office/drawing/2014/main" val="3707367074"/>
+                  </a:ext>
+                </a:extLst>
+              </a:tr>
+              <a:tr h="370840">
+                <a:tc>
+                  <a:txBody>
+                    <a:bodyPr/>
+                    <a:lstStyle/>
+                    <a:p>
+                      <a:r>
+                        <a:rPr lang="tr-TR"/>
+                        <a:t>&lt;ViewTransition&gt; </a:t>
+                      </a:r>
+                    </a:p>
+                  </a:txBody>
+                  <a:tcPr anchor="ctr"/>
+                </a:tc>
+                <a:tc>
+                  <a:txBody>
+                    <a:bodyPr/>
+                    <a:lstStyle/>
+                    <a:p>
+                      <a:r>
+                        <a:rPr lang="en-US" dirty="0"/>
+                        <a:t>Describes a transition of a View within a states or </a:t>
+                      </a:r>
+                      <a:r>
+                        <a:rPr lang="en-US" dirty="0" err="1"/>
+                        <a:t>ConstraintSets</a:t>
+                      </a:r>
+                      <a:endParaRPr lang="en-US" dirty="0"/>
+                    </a:p>
+                  </a:txBody>
+                  <a:tcPr anchor="ctr"/>
+                </a:tc>
+                <a:extLst>
+                  <a:ext uri="{0D108BD9-81ED-4DB2-BD59-A6C34878D82A}">
+                    <a16:rowId xmlns:a16="http://schemas.microsoft.com/office/drawing/2014/main" val="2614157952"/>
+                  </a:ext>
+                </a:extLst>
+              </a:tr>
+            </a:tbl>
+          </a:graphicData>
+        </a:graphic>
+      </p:graphicFrame>
     </p:spTree>
     <p:extLst>
       <p:ext uri="{BB962C8B-B14F-4D97-AF65-F5344CB8AC3E}">
-        <p14:creationId xmlns:p14="http://schemas.microsoft.com/office/powerpoint/2010/main" val="3821526776"/>
+        <p14:creationId xmlns:p14="http://schemas.microsoft.com/office/powerpoint/2010/main" val="117696897"/>
       </p:ext>
     </p:extLst>
   </p:cSld>
@@ -5062,14 +5146,6 @@
 <file path=ppt/slides/slide5.xml><?xml version="1.0" encoding="utf-8"?>
 <p:sld xmlns:a="http://schemas.openxmlformats.org/drawingml/2006/main" xmlns:r="http://schemas.openxmlformats.org/officeDocument/2006/relationships" xmlns:p="http://schemas.openxmlformats.org/presentationml/2006/main">
   <p:cSld>
-    <p:bg>
-      <p:bgPr>
-        <a:solidFill>
-          <a:schemeClr val="bg1"/>
-        </a:solidFill>
-        <a:effectLst/>
-      </p:bgPr>
-    </p:bg>
     <p:spTree>
       <p:nvGrpSpPr>
         <p:cNvPr id="1" name=""/>
@@ -5084,492 +5160,21 @@
           <a:chExt cx="0" cy="0"/>
         </a:xfrm>
       </p:grpSpPr>
-      <p:sp useBgFill="1">
-        <p:nvSpPr>
-          <p:cNvPr id="12" name="Rectangle 11">
-            <a:extLst>
-              <a:ext uri="{FF2B5EF4-FFF2-40B4-BE49-F238E27FC236}">
-                <a16:creationId xmlns:a16="http://schemas.microsoft.com/office/drawing/2014/main" id="{A8908DB7-C3A6-4FCB-9820-CEE02B398C4A}"/>
-              </a:ext>
-              <a:ext uri="{C183D7F6-B498-43B3-948B-1728B52AA6E4}">
-                <adec:decorative xmlns:adec="http://schemas.microsoft.com/office/drawing/2017/decorative" val="1"/>
-              </a:ext>
-            </a:extLst>
-          </p:cNvPr>
-          <p:cNvSpPr>
-            <a:spLocks noGrp="1" noRot="1" noChangeAspect="1" noMove="1" noResize="1" noEditPoints="1" noAdjustHandles="1" noChangeArrowheads="1" noChangeShapeType="1" noTextEdit="1"/>
-          </p:cNvSpPr>
-          <p:nvPr>
-            <p:extLst>
-              <p:ext uri="{386F3935-93C4-4BCD-93E2-E3B085C9AB24}">
-                <p16:designElem xmlns:p16="http://schemas.microsoft.com/office/powerpoint/2015/main" val="1"/>
-              </p:ext>
-            </p:extLst>
-          </p:nvPr>
-        </p:nvSpPr>
-        <p:spPr>
-          <a:xfrm>
-            <a:off x="0" y="0"/>
-            <a:ext cx="12192000" cy="6858000"/>
-          </a:xfrm>
-          <a:prstGeom prst="rect">
-            <a:avLst/>
-          </a:prstGeom>
-          <a:ln>
-            <a:noFill/>
-          </a:ln>
-        </p:spPr>
-        <p:style>
-          <a:lnRef idx="2">
-            <a:schemeClr val="accent1">
-              <a:shade val="50000"/>
-            </a:schemeClr>
-          </a:lnRef>
-          <a:fillRef idx="1">
-            <a:schemeClr val="accent1"/>
-          </a:fillRef>
-          <a:effectRef idx="0">
-            <a:schemeClr val="accent1"/>
-          </a:effectRef>
-          <a:fontRef idx="minor">
-            <a:schemeClr val="lt1"/>
-          </a:fontRef>
-        </p:style>
-        <p:txBody>
-          <a:bodyPr rtlCol="0" anchor="ctr"/>
-          <a:lstStyle/>
-          <a:p>
-            <a:pPr algn="ctr"/>
-            <a:endParaRPr lang="en-US"/>
-          </a:p>
-        </p:txBody>
-      </p:sp>
-      <p:sp>
-        <p:nvSpPr>
-          <p:cNvPr id="2" name="Başlık 1">
-            <a:extLst>
-              <a:ext uri="{FF2B5EF4-FFF2-40B4-BE49-F238E27FC236}">
-                <a16:creationId xmlns:a16="http://schemas.microsoft.com/office/drawing/2014/main" id="{30EF6AB2-8C03-D2F8-1CB1-A06C7336259A}"/>
-              </a:ext>
-            </a:extLst>
-          </p:cNvPr>
-          <p:cNvSpPr>
-            <a:spLocks noGrp="1"/>
-          </p:cNvSpPr>
-          <p:nvPr>
-            <p:ph type="title"/>
-          </p:nvPr>
-        </p:nvSpPr>
-        <p:spPr>
-          <a:xfrm>
-            <a:off x="630936" y="640823"/>
-            <a:ext cx="3419856" cy="5583148"/>
-          </a:xfrm>
-        </p:spPr>
-        <p:txBody>
-          <a:bodyPr anchor="ctr">
-            <a:normAutofit/>
-          </a:bodyPr>
-          <a:lstStyle/>
-          <a:p>
-            <a:r>
-              <a:rPr lang="tr-TR" sz="5400"/>
-              <a:t>Coroutines</a:t>
-            </a:r>
-          </a:p>
-        </p:txBody>
-      </p:sp>
-      <p:sp>
-        <p:nvSpPr>
-          <p:cNvPr id="14" name="sketch line">
-            <a:extLst>
-              <a:ext uri="{FF2B5EF4-FFF2-40B4-BE49-F238E27FC236}">
-                <a16:creationId xmlns:a16="http://schemas.microsoft.com/office/drawing/2014/main" id="{535742DD-1B16-4E9D-B715-0D74B4574A68}"/>
-              </a:ext>
-              <a:ext uri="{C183D7F6-B498-43B3-948B-1728B52AA6E4}">
-                <adec:decorative xmlns:adec="http://schemas.microsoft.com/office/drawing/2017/decorative" val="1"/>
-              </a:ext>
-            </a:extLst>
-          </p:cNvPr>
-          <p:cNvSpPr>
-            <a:spLocks noGrp="1" noRot="1" noChangeAspect="1" noMove="1" noResize="1" noEditPoints="1" noAdjustHandles="1" noChangeArrowheads="1" noChangeShapeType="1" noTextEdit="1"/>
-          </p:cNvSpPr>
-          <p:nvPr>
-            <p:extLst>
-              <p:ext uri="{386F3935-93C4-4BCD-93E2-E3B085C9AB24}">
-                <p16:designElem xmlns:p16="http://schemas.microsoft.com/office/powerpoint/2015/main" val="1"/>
-              </p:ext>
-            </p:extLst>
-          </p:nvPr>
-        </p:nvSpPr>
-        <p:spPr>
-          <a:xfrm flipH="1">
-            <a:off x="4267200" y="630936"/>
-            <a:ext cx="18288" cy="5590381"/>
-          </a:xfrm>
-          <a:custGeom>
-            <a:avLst/>
-            <a:gdLst>
-              <a:gd name="connsiteX0" fmla="*/ 0 w 18288"/>
-              <a:gd name="connsiteY0" fmla="*/ 0 h 5590381"/>
-              <a:gd name="connsiteX1" fmla="*/ 18288 w 18288"/>
-              <a:gd name="connsiteY1" fmla="*/ 0 h 5590381"/>
-              <a:gd name="connsiteX2" fmla="*/ 18288 w 18288"/>
-              <a:gd name="connsiteY2" fmla="*/ 754701 h 5590381"/>
-              <a:gd name="connsiteX3" fmla="*/ 18288 w 18288"/>
-              <a:gd name="connsiteY3" fmla="*/ 1565307 h 5590381"/>
-              <a:gd name="connsiteX4" fmla="*/ 18288 w 18288"/>
-              <a:gd name="connsiteY4" fmla="*/ 2152297 h 5590381"/>
-              <a:gd name="connsiteX5" fmla="*/ 18288 w 18288"/>
-              <a:gd name="connsiteY5" fmla="*/ 2906998 h 5590381"/>
-              <a:gd name="connsiteX6" fmla="*/ 18288 w 18288"/>
-              <a:gd name="connsiteY6" fmla="*/ 3549892 h 5590381"/>
-              <a:gd name="connsiteX7" fmla="*/ 18288 w 18288"/>
-              <a:gd name="connsiteY7" fmla="*/ 4080978 h 5590381"/>
-              <a:gd name="connsiteX8" fmla="*/ 18288 w 18288"/>
-              <a:gd name="connsiteY8" fmla="*/ 4835680 h 5590381"/>
-              <a:gd name="connsiteX9" fmla="*/ 18288 w 18288"/>
-              <a:gd name="connsiteY9" fmla="*/ 5590381 h 5590381"/>
-              <a:gd name="connsiteX10" fmla="*/ 0 w 18288"/>
-              <a:gd name="connsiteY10" fmla="*/ 5590381 h 5590381"/>
-              <a:gd name="connsiteX11" fmla="*/ 0 w 18288"/>
-              <a:gd name="connsiteY11" fmla="*/ 4835680 h 5590381"/>
-              <a:gd name="connsiteX12" fmla="*/ 0 w 18288"/>
-              <a:gd name="connsiteY12" fmla="*/ 4304593 h 5590381"/>
-              <a:gd name="connsiteX13" fmla="*/ 0 w 18288"/>
-              <a:gd name="connsiteY13" fmla="*/ 3773507 h 5590381"/>
-              <a:gd name="connsiteX14" fmla="*/ 0 w 18288"/>
-              <a:gd name="connsiteY14" fmla="*/ 3186517 h 5590381"/>
-              <a:gd name="connsiteX15" fmla="*/ 0 w 18288"/>
-              <a:gd name="connsiteY15" fmla="*/ 2487720 h 5590381"/>
-              <a:gd name="connsiteX16" fmla="*/ 0 w 18288"/>
-              <a:gd name="connsiteY16" fmla="*/ 1956633 h 5590381"/>
-              <a:gd name="connsiteX17" fmla="*/ 0 w 18288"/>
-              <a:gd name="connsiteY17" fmla="*/ 1425547 h 5590381"/>
-              <a:gd name="connsiteX18" fmla="*/ 0 w 18288"/>
-              <a:gd name="connsiteY18" fmla="*/ 614942 h 5590381"/>
-              <a:gd name="connsiteX19" fmla="*/ 0 w 18288"/>
-              <a:gd name="connsiteY19" fmla="*/ 0 h 5590381"/>
-            </a:gdLst>
-            <a:ahLst/>
-            <a:cxnLst>
-              <a:cxn ang="0">
-                <a:pos x="connsiteX0" y="connsiteY0"/>
-              </a:cxn>
-              <a:cxn ang="0">
-                <a:pos x="connsiteX1" y="connsiteY1"/>
-              </a:cxn>
-              <a:cxn ang="0">
-                <a:pos x="connsiteX2" y="connsiteY2"/>
-              </a:cxn>
-              <a:cxn ang="0">
-                <a:pos x="connsiteX3" y="connsiteY3"/>
-              </a:cxn>
-              <a:cxn ang="0">
-                <a:pos x="connsiteX4" y="connsiteY4"/>
-              </a:cxn>
-              <a:cxn ang="0">
-                <a:pos x="connsiteX5" y="connsiteY5"/>
-              </a:cxn>
-              <a:cxn ang="0">
-                <a:pos x="connsiteX6" y="connsiteY6"/>
-              </a:cxn>
-              <a:cxn ang="0">
-                <a:pos x="connsiteX7" y="connsiteY7"/>
-              </a:cxn>
-              <a:cxn ang="0">
-                <a:pos x="connsiteX8" y="connsiteY8"/>
-              </a:cxn>
-              <a:cxn ang="0">
-                <a:pos x="connsiteX9" y="connsiteY9"/>
-              </a:cxn>
-              <a:cxn ang="0">
-                <a:pos x="connsiteX10" y="connsiteY10"/>
-              </a:cxn>
-              <a:cxn ang="0">
-                <a:pos x="connsiteX11" y="connsiteY11"/>
-              </a:cxn>
-              <a:cxn ang="0">
-                <a:pos x="connsiteX12" y="connsiteY12"/>
-              </a:cxn>
-              <a:cxn ang="0">
-                <a:pos x="connsiteX13" y="connsiteY13"/>
-              </a:cxn>
-              <a:cxn ang="0">
-                <a:pos x="connsiteX14" y="connsiteY14"/>
-              </a:cxn>
-              <a:cxn ang="0">
-                <a:pos x="connsiteX15" y="connsiteY15"/>
-              </a:cxn>
-              <a:cxn ang="0">
-                <a:pos x="connsiteX16" y="connsiteY16"/>
-              </a:cxn>
-              <a:cxn ang="0">
-                <a:pos x="connsiteX17" y="connsiteY17"/>
-              </a:cxn>
-              <a:cxn ang="0">
-                <a:pos x="connsiteX18" y="connsiteY18"/>
-              </a:cxn>
-              <a:cxn ang="0">
-                <a:pos x="connsiteX19" y="connsiteY19"/>
-              </a:cxn>
-            </a:cxnLst>
-            <a:rect l="l" t="t" r="r" b="b"/>
-            <a:pathLst>
-              <a:path w="18288" h="5590381" fill="none" extrusionOk="0">
-                <a:moveTo>
-                  <a:pt x="0" y="0"/>
-                </a:moveTo>
-                <a:cubicBezTo>
-                  <a:pt x="7726" y="-435"/>
-                  <a:pt x="14198" y="437"/>
-                  <a:pt x="18288" y="0"/>
-                </a:cubicBezTo>
-                <a:cubicBezTo>
-                  <a:pt x="-5226" y="225076"/>
-                  <a:pt x="46275" y="562283"/>
-                  <a:pt x="18288" y="754701"/>
-                </a:cubicBezTo>
-                <a:cubicBezTo>
-                  <a:pt x="-9699" y="947119"/>
-                  <a:pt x="30081" y="1239251"/>
-                  <a:pt x="18288" y="1565307"/>
-                </a:cubicBezTo>
-                <a:cubicBezTo>
-                  <a:pt x="6495" y="1891363"/>
-                  <a:pt x="7160" y="1999140"/>
-                  <a:pt x="18288" y="2152297"/>
-                </a:cubicBezTo>
-                <a:cubicBezTo>
-                  <a:pt x="29417" y="2305454"/>
-                  <a:pt x="28705" y="2598333"/>
-                  <a:pt x="18288" y="2906998"/>
-                </a:cubicBezTo>
-                <a:cubicBezTo>
-                  <a:pt x="7871" y="3215663"/>
-                  <a:pt x="35263" y="3327412"/>
-                  <a:pt x="18288" y="3549892"/>
-                </a:cubicBezTo>
-                <a:cubicBezTo>
-                  <a:pt x="1313" y="3772372"/>
-                  <a:pt x="38561" y="3843836"/>
-                  <a:pt x="18288" y="4080978"/>
-                </a:cubicBezTo>
-                <a:cubicBezTo>
-                  <a:pt x="-1985" y="4318120"/>
-                  <a:pt x="-3806" y="4511166"/>
-                  <a:pt x="18288" y="4835680"/>
-                </a:cubicBezTo>
-                <a:cubicBezTo>
-                  <a:pt x="40382" y="5160194"/>
-                  <a:pt x="-13070" y="5401748"/>
-                  <a:pt x="18288" y="5590381"/>
-                </a:cubicBezTo>
-                <a:cubicBezTo>
-                  <a:pt x="12010" y="5589863"/>
-                  <a:pt x="6799" y="5589982"/>
-                  <a:pt x="0" y="5590381"/>
-                </a:cubicBezTo>
-                <a:cubicBezTo>
-                  <a:pt x="-6480" y="5250523"/>
-                  <a:pt x="-32148" y="5052531"/>
-                  <a:pt x="0" y="4835680"/>
-                </a:cubicBezTo>
-                <a:cubicBezTo>
-                  <a:pt x="32148" y="4618829"/>
-                  <a:pt x="5352" y="4496374"/>
-                  <a:pt x="0" y="4304593"/>
-                </a:cubicBezTo>
-                <a:cubicBezTo>
-                  <a:pt x="-5352" y="4112812"/>
-                  <a:pt x="9645" y="3919423"/>
-                  <a:pt x="0" y="3773507"/>
-                </a:cubicBezTo>
-                <a:cubicBezTo>
-                  <a:pt x="-9645" y="3627591"/>
-                  <a:pt x="-10654" y="3330687"/>
-                  <a:pt x="0" y="3186517"/>
-                </a:cubicBezTo>
-                <a:cubicBezTo>
-                  <a:pt x="10654" y="3042347"/>
-                  <a:pt x="18181" y="2635923"/>
-                  <a:pt x="0" y="2487720"/>
-                </a:cubicBezTo>
-                <a:cubicBezTo>
-                  <a:pt x="-18181" y="2339517"/>
-                  <a:pt x="-7947" y="2113537"/>
-                  <a:pt x="0" y="1956633"/>
-                </a:cubicBezTo>
-                <a:cubicBezTo>
-                  <a:pt x="7947" y="1799729"/>
-                  <a:pt x="-15145" y="1657735"/>
-                  <a:pt x="0" y="1425547"/>
-                </a:cubicBezTo>
-                <a:cubicBezTo>
-                  <a:pt x="15145" y="1193359"/>
-                  <a:pt x="-23832" y="948054"/>
-                  <a:pt x="0" y="614942"/>
-                </a:cubicBezTo>
-                <a:cubicBezTo>
-                  <a:pt x="23832" y="281831"/>
-                  <a:pt x="2816" y="129878"/>
-                  <a:pt x="0" y="0"/>
-                </a:cubicBezTo>
-                <a:close/>
-              </a:path>
-              <a:path w="18288" h="5590381" stroke="0" extrusionOk="0">
-                <a:moveTo>
-                  <a:pt x="0" y="0"/>
-                </a:moveTo>
-                <a:cubicBezTo>
-                  <a:pt x="5871" y="848"/>
-                  <a:pt x="11713" y="-200"/>
-                  <a:pt x="18288" y="0"/>
-                </a:cubicBezTo>
-                <a:cubicBezTo>
-                  <a:pt x="41141" y="165299"/>
-                  <a:pt x="3613" y="427555"/>
-                  <a:pt x="18288" y="698798"/>
-                </a:cubicBezTo>
-                <a:cubicBezTo>
-                  <a:pt x="32963" y="970041"/>
-                  <a:pt x="19680" y="1226199"/>
-                  <a:pt x="18288" y="1397595"/>
-                </a:cubicBezTo>
-                <a:cubicBezTo>
-                  <a:pt x="16896" y="1568991"/>
-                  <a:pt x="38798" y="1794517"/>
-                  <a:pt x="18288" y="2152297"/>
-                </a:cubicBezTo>
-                <a:cubicBezTo>
-                  <a:pt x="-2222" y="2510077"/>
-                  <a:pt x="40846" y="2594424"/>
-                  <a:pt x="18288" y="2739287"/>
-                </a:cubicBezTo>
-                <a:cubicBezTo>
-                  <a:pt x="-4270" y="2884150"/>
-                  <a:pt x="27117" y="3129706"/>
-                  <a:pt x="18288" y="3493988"/>
-                </a:cubicBezTo>
-                <a:cubicBezTo>
-                  <a:pt x="9459" y="3858270"/>
-                  <a:pt x="54201" y="4041447"/>
-                  <a:pt x="18288" y="4304593"/>
-                </a:cubicBezTo>
-                <a:cubicBezTo>
-                  <a:pt x="-17625" y="4567740"/>
-                  <a:pt x="49627" y="5149125"/>
-                  <a:pt x="18288" y="5590381"/>
-                </a:cubicBezTo>
-                <a:cubicBezTo>
-                  <a:pt x="10860" y="5590744"/>
-                  <a:pt x="7568" y="5590157"/>
-                  <a:pt x="0" y="5590381"/>
-                </a:cubicBezTo>
-                <a:cubicBezTo>
-                  <a:pt x="36767" y="5266821"/>
-                  <a:pt x="-16223" y="5116146"/>
-                  <a:pt x="0" y="4835680"/>
-                </a:cubicBezTo>
-                <a:cubicBezTo>
-                  <a:pt x="16223" y="4555214"/>
-                  <a:pt x="-16316" y="4356490"/>
-                  <a:pt x="0" y="4136882"/>
-                </a:cubicBezTo>
-                <a:cubicBezTo>
-                  <a:pt x="16316" y="3917274"/>
-                  <a:pt x="8005" y="3773465"/>
-                  <a:pt x="0" y="3549892"/>
-                </a:cubicBezTo>
-                <a:cubicBezTo>
-                  <a:pt x="-8005" y="3326319"/>
-                  <a:pt x="27623" y="3052456"/>
-                  <a:pt x="0" y="2851094"/>
-                </a:cubicBezTo>
-                <a:cubicBezTo>
-                  <a:pt x="-27623" y="2649732"/>
-                  <a:pt x="5614" y="2455815"/>
-                  <a:pt x="0" y="2264104"/>
-                </a:cubicBezTo>
-                <a:cubicBezTo>
-                  <a:pt x="-5614" y="2072393"/>
-                  <a:pt x="22598" y="1990723"/>
-                  <a:pt x="0" y="1733018"/>
-                </a:cubicBezTo>
-                <a:cubicBezTo>
-                  <a:pt x="-22598" y="1475313"/>
-                  <a:pt x="-6965" y="1369123"/>
-                  <a:pt x="0" y="1090124"/>
-                </a:cubicBezTo>
-                <a:cubicBezTo>
-                  <a:pt x="6965" y="811125"/>
-                  <a:pt x="-19273" y="507044"/>
-                  <a:pt x="0" y="0"/>
-                </a:cubicBezTo>
-                <a:close/>
-              </a:path>
-            </a:pathLst>
-          </a:custGeom>
-          <a:solidFill>
-            <a:schemeClr val="accent2"/>
-          </a:solidFill>
-          <a:ln w="41275" cap="rnd">
-            <a:solidFill>
-              <a:schemeClr val="accent2"/>
-            </a:solidFill>
-            <a:round/>
-            <a:extLst>
-              <a:ext uri="{C807C97D-BFC1-408E-A445-0C87EB9F89A2}">
-                <ask:lineSketchStyleProps xmlns:ask="http://schemas.microsoft.com/office/drawing/2018/sketchyshapes" sd="3114097614">
-                  <a:prstGeom prst="rect">
-                    <a:avLst/>
-                  </a:prstGeom>
-                  <ask:type>
-                    <ask:lineSketchFreehand/>
-                  </ask:type>
-                </ask:lineSketchStyleProps>
-              </a:ext>
-            </a:extLst>
-          </a:ln>
-        </p:spPr>
-        <p:style>
-          <a:lnRef idx="2">
-            <a:schemeClr val="accent1">
-              <a:shade val="50000"/>
-            </a:schemeClr>
-          </a:lnRef>
-          <a:fillRef idx="1">
-            <a:schemeClr val="accent1"/>
-          </a:fillRef>
-          <a:effectRef idx="0">
-            <a:schemeClr val="accent1"/>
-          </a:effectRef>
-          <a:fontRef idx="minor">
-            <a:schemeClr val="lt1"/>
-          </a:fontRef>
-        </p:style>
-        <p:txBody>
-          <a:bodyPr rtlCol="0" anchor="ctr"/>
-          <a:lstStyle/>
-          <a:p>
-            <a:pPr algn="ctr"/>
-            <a:endParaRPr lang="en-US"/>
-          </a:p>
-        </p:txBody>
-      </p:sp>
       <p:pic>
         <p:nvPicPr>
           <p:cNvPr id="5" name="İçerik Yer Tutucusu 4">
             <a:extLst>
               <a:ext uri="{FF2B5EF4-FFF2-40B4-BE49-F238E27FC236}">
-                <a16:creationId xmlns:a16="http://schemas.microsoft.com/office/drawing/2014/main" id="{12206140-2C5A-9693-5B59-815AE93621CE}"/>
+                <a16:creationId xmlns:a16="http://schemas.microsoft.com/office/drawing/2014/main" id="{77D833E9-1F4A-C2D0-ABE7-6658400E53D8}"/>
               </a:ext>
             </a:extLst>
           </p:cNvPr>
           <p:cNvPicPr>
-            <a:picLocks noChangeAspect="1"/>
+            <a:picLocks noGrp="1" noChangeAspect="1"/>
           </p:cNvPicPr>
-          <p:nvPr/>
+          <p:nvPr>
+            <p:ph idx="1"/>
+          </p:nvPr>
         </p:nvPicPr>
         <p:blipFill>
           <a:blip r:embed="rId2">
@@ -5585,50 +5190,51 @@
         </p:blipFill>
         <p:spPr>
           <a:xfrm>
-            <a:off x="4654296" y="872726"/>
-            <a:ext cx="6894576" cy="3430051"/>
+            <a:off x="4412564" y="1253331"/>
+            <a:ext cx="3366872" cy="4351338"/>
+          </a:xfrm>
+        </p:spPr>
+      </p:pic>
+      <p:sp>
+        <p:nvSpPr>
+          <p:cNvPr id="7" name="Metin kutusu 6">
+            <a:extLst>
+              <a:ext uri="{FF2B5EF4-FFF2-40B4-BE49-F238E27FC236}">
+                <a16:creationId xmlns:a16="http://schemas.microsoft.com/office/drawing/2014/main" id="{92D48B6C-D33F-0B25-25B6-A49672D6C9E0}"/>
+              </a:ext>
+            </a:extLst>
+          </p:cNvPr>
+          <p:cNvSpPr txBox="1"/>
+          <p:nvPr/>
+        </p:nvSpPr>
+        <p:spPr>
+          <a:xfrm>
+            <a:off x="2369820" y="6061869"/>
+            <a:ext cx="7452360" cy="276999"/>
           </a:xfrm>
           <a:prstGeom prst="rect">
             <a:avLst/>
           </a:prstGeom>
+          <a:noFill/>
         </p:spPr>
-      </p:pic>
-      <p:sp>
-        <p:nvSpPr>
-          <p:cNvPr id="9" name="Content Placeholder 8">
-            <a:extLst>
-              <a:ext uri="{FF2B5EF4-FFF2-40B4-BE49-F238E27FC236}">
-                <a16:creationId xmlns:a16="http://schemas.microsoft.com/office/drawing/2014/main" id="{F572146A-5C6A-93FA-D10A-9A809AF2D820}"/>
-              </a:ext>
-            </a:extLst>
-          </p:cNvPr>
-          <p:cNvSpPr>
-            <a:spLocks noGrp="1"/>
-          </p:cNvSpPr>
-          <p:nvPr>
-            <p:ph idx="1"/>
-          </p:nvPr>
-        </p:nvSpPr>
-        <p:spPr>
-          <a:xfrm>
-            <a:off x="4654296" y="4798577"/>
-            <a:ext cx="6894576" cy="1428487"/>
-          </a:xfrm>
-        </p:spPr>
-        <p:txBody>
-          <a:bodyPr anchor="t">
-            <a:normAutofit/>
+        <p:txBody>
+          <a:bodyPr wrap="square">
+            <a:spAutoFit/>
           </a:bodyPr>
           <a:lstStyle/>
           <a:p>
-            <a:endParaRPr lang="en-US" sz="2200"/>
+            <a:pPr algn="ctr"/>
+            <a:r>
+              <a:rPr lang="tr-TR" sz="1200" dirty="0"/>
+              <a:t>https://developer.android.com/guide/components/activities/activity-lifecycle</a:t>
+            </a:r>
           </a:p>
         </p:txBody>
       </p:sp>
     </p:spTree>
     <p:extLst>
       <p:ext uri="{BB962C8B-B14F-4D97-AF65-F5344CB8AC3E}">
-        <p14:creationId xmlns:p14="http://schemas.microsoft.com/office/powerpoint/2010/main" val="123920412"/>
+        <p14:creationId xmlns:p14="http://schemas.microsoft.com/office/powerpoint/2010/main" val="1458855138"/>
       </p:ext>
     </p:extLst>
   </p:cSld>
@@ -5655,37 +5261,12 @@
           <a:chExt cx="0" cy="0"/>
         </a:xfrm>
       </p:grpSpPr>
-      <p:sp>
-        <p:nvSpPr>
-          <p:cNvPr id="2" name="Başlık 1">
-            <a:extLst>
-              <a:ext uri="{FF2B5EF4-FFF2-40B4-BE49-F238E27FC236}">
-                <a16:creationId xmlns:a16="http://schemas.microsoft.com/office/drawing/2014/main" id="{61AA1773-E698-691C-D58B-EDE7AF1B3494}"/>
-              </a:ext>
-            </a:extLst>
-          </p:cNvPr>
-          <p:cNvSpPr>
-            <a:spLocks noGrp="1"/>
-          </p:cNvSpPr>
-          <p:nvPr>
-            <p:ph type="title"/>
-          </p:nvPr>
-        </p:nvSpPr>
-        <p:spPr/>
-        <p:txBody>
-          <a:bodyPr/>
-          <a:lstStyle/>
-          <a:p>
-            <a:endParaRPr lang="tr-TR" dirty="0"/>
-          </a:p>
-        </p:txBody>
-      </p:sp>
       <p:pic>
         <p:nvPicPr>
           <p:cNvPr id="5" name="İçerik Yer Tutucusu 4">
             <a:extLst>
               <a:ext uri="{FF2B5EF4-FFF2-40B4-BE49-F238E27FC236}">
-                <a16:creationId xmlns:a16="http://schemas.microsoft.com/office/drawing/2014/main" id="{77D833E9-1F4A-C2D0-ABE7-6658400E53D8}"/>
+                <a16:creationId xmlns:a16="http://schemas.microsoft.com/office/drawing/2014/main" id="{FAD5E515-92D7-718B-2EAC-8C8F06BEB7C2}"/>
               </a:ext>
             </a:extLst>
           </p:cNvPr>
@@ -5710,51 +5291,15 @@
         </p:blipFill>
         <p:spPr>
           <a:xfrm>
-            <a:off x="4412564" y="1825625"/>
-            <a:ext cx="3366872" cy="4351338"/>
+            <a:off x="2428875" y="2333625"/>
+            <a:ext cx="7334250" cy="2190750"/>
           </a:xfrm>
         </p:spPr>
       </p:pic>
-      <p:sp>
-        <p:nvSpPr>
-          <p:cNvPr id="7" name="Metin kutusu 6">
-            <a:extLst>
-              <a:ext uri="{FF2B5EF4-FFF2-40B4-BE49-F238E27FC236}">
-                <a16:creationId xmlns:a16="http://schemas.microsoft.com/office/drawing/2014/main" id="{92D48B6C-D33F-0B25-25B6-A49672D6C9E0}"/>
-              </a:ext>
-            </a:extLst>
-          </p:cNvPr>
-          <p:cNvSpPr txBox="1"/>
-          <p:nvPr/>
-        </p:nvSpPr>
-        <p:spPr>
-          <a:xfrm>
-            <a:off x="2369820" y="6311900"/>
-            <a:ext cx="7452360" cy="369332"/>
-          </a:xfrm>
-          <a:prstGeom prst="rect">
-            <a:avLst/>
-          </a:prstGeom>
-          <a:noFill/>
-        </p:spPr>
-        <p:txBody>
-          <a:bodyPr wrap="square">
-            <a:spAutoFit/>
-          </a:bodyPr>
-          <a:lstStyle/>
-          <a:p>
-            <a:pPr algn="ctr"/>
-            <a:r>
-              <a:rPr lang="tr-TR" dirty="0"/>
-              <a:t>https://developer.android.com/guide/components/activities/activity-lifecycle</a:t>
-            </a:r>
-          </a:p>
-        </p:txBody>
-      </p:sp>
     </p:spTree>
     <p:extLst>
       <p:ext uri="{BB962C8B-B14F-4D97-AF65-F5344CB8AC3E}">
-        <p14:creationId xmlns:p14="http://schemas.microsoft.com/office/powerpoint/2010/main" val="1458855138"/>
+        <p14:creationId xmlns:p14="http://schemas.microsoft.com/office/powerpoint/2010/main" val="1022583126"/>
       </p:ext>
     </p:extLst>
   </p:cSld>
@@ -5786,7 +5331,7 @@
           <p:cNvPr id="2" name="Başlık 1">
             <a:extLst>
               <a:ext uri="{FF2B5EF4-FFF2-40B4-BE49-F238E27FC236}">
-                <a16:creationId xmlns:a16="http://schemas.microsoft.com/office/drawing/2014/main" id="{AE01597A-9B0C-6208-B83E-69F65DADB0E8}"/>
+                <a16:creationId xmlns:a16="http://schemas.microsoft.com/office/drawing/2014/main" id="{B27C06B9-6D6D-DCE8-7CC3-4D931D0812B0}"/>
               </a:ext>
             </a:extLst>
           </p:cNvPr>
@@ -5799,46 +5344,57 @@
         </p:nvSpPr>
         <p:spPr/>
         <p:txBody>
-          <a:bodyPr/>
-          <a:lstStyle/>
-          <a:p>
-            <a:r>
-              <a:rPr lang="tr-TR" dirty="0" err="1"/>
-              <a:t>MotionLayout</a:t>
-            </a:r>
-            <a:endParaRPr lang="tr-TR" dirty="0"/>
-          </a:p>
-        </p:txBody>
-      </p:sp>
-      <p:sp>
-        <p:nvSpPr>
-          <p:cNvPr id="3" name="İçerik Yer Tutucusu 2">
-            <a:extLst>
-              <a:ext uri="{FF2B5EF4-FFF2-40B4-BE49-F238E27FC236}">
-                <a16:creationId xmlns:a16="http://schemas.microsoft.com/office/drawing/2014/main" id="{E7A6415F-236C-6FC8-025C-D2FB44FA718C}"/>
-              </a:ext>
-            </a:extLst>
-          </p:cNvPr>
-          <p:cNvSpPr>
-            <a:spLocks noGrp="1"/>
-          </p:cNvSpPr>
+          <a:bodyPr>
+            <a:normAutofit/>
+          </a:bodyPr>
+          <a:lstStyle/>
+          <a:p>
+            <a:r>
+              <a:rPr lang="tr-TR" dirty="0"/>
+              <a:t>UML</a:t>
+            </a:r>
+          </a:p>
+        </p:txBody>
+      </p:sp>
+      <p:pic>
+        <p:nvPicPr>
+          <p:cNvPr id="5" name="İçerik Yer Tutucusu 4">
+            <a:extLst>
+              <a:ext uri="{FF2B5EF4-FFF2-40B4-BE49-F238E27FC236}">
+                <a16:creationId xmlns:a16="http://schemas.microsoft.com/office/drawing/2014/main" id="{FD4C7A42-912E-68A8-301D-1B1F50ACC463}"/>
+              </a:ext>
+            </a:extLst>
+          </p:cNvPr>
+          <p:cNvPicPr>
+            <a:picLocks noGrp="1" noChangeAspect="1"/>
+          </p:cNvPicPr>
           <p:nvPr>
             <p:ph idx="1"/>
           </p:nvPr>
-        </p:nvSpPr>
-        <p:spPr/>
-        <p:txBody>
-          <a:bodyPr/>
-          <a:lstStyle/>
-          <a:p>
-            <a:endParaRPr lang="tr-TR"/>
-          </a:p>
-        </p:txBody>
-      </p:sp>
+        </p:nvPicPr>
+        <p:blipFill>
+          <a:blip r:embed="rId2">
+            <a:extLst>
+              <a:ext uri="{28A0092B-C50C-407E-A947-70E740481C1C}">
+                <a14:useLocalDpi xmlns:a14="http://schemas.microsoft.com/office/drawing/2010/main" val="0"/>
+              </a:ext>
+            </a:extLst>
+          </a:blip>
+          <a:stretch>
+            <a:fillRect/>
+          </a:stretch>
+        </p:blipFill>
+        <p:spPr>
+          <a:xfrm>
+            <a:off x="838200" y="1966017"/>
+            <a:ext cx="10515600" cy="4070554"/>
+          </a:xfrm>
+        </p:spPr>
+      </p:pic>
     </p:spTree>
     <p:extLst>
       <p:ext uri="{BB962C8B-B14F-4D97-AF65-F5344CB8AC3E}">
-        <p14:creationId xmlns:p14="http://schemas.microsoft.com/office/powerpoint/2010/main" val="117696897"/>
+        <p14:creationId xmlns:p14="http://schemas.microsoft.com/office/powerpoint/2010/main" val="1927861848"/>
       </p:ext>
     </p:extLst>
   </p:cSld>
@@ -5865,65 +5421,45 @@
           <a:chExt cx="0" cy="0"/>
         </a:xfrm>
       </p:grpSpPr>
-      <p:sp>
-        <p:nvSpPr>
-          <p:cNvPr id="2" name="Başlık 1">
-            <a:extLst>
-              <a:ext uri="{FF2B5EF4-FFF2-40B4-BE49-F238E27FC236}">
-                <a16:creationId xmlns:a16="http://schemas.microsoft.com/office/drawing/2014/main" id="{B27C06B9-6D6D-DCE8-7CC3-4D931D0812B0}"/>
-              </a:ext>
-            </a:extLst>
-          </p:cNvPr>
-          <p:cNvSpPr>
-            <a:spLocks noGrp="1"/>
-          </p:cNvSpPr>
-          <p:nvPr>
-            <p:ph type="title"/>
-          </p:nvPr>
-        </p:nvSpPr>
-        <p:spPr/>
-        <p:txBody>
-          <a:bodyPr>
-            <a:normAutofit/>
-          </a:bodyPr>
-          <a:lstStyle/>
-          <a:p>
-            <a:r>
-              <a:rPr lang="tr-TR" dirty="0"/>
-              <a:t>UML</a:t>
-            </a:r>
-          </a:p>
-        </p:txBody>
-      </p:sp>
-      <p:sp>
-        <p:nvSpPr>
-          <p:cNvPr id="3" name="İçerik Yer Tutucusu 2">
-            <a:extLst>
-              <a:ext uri="{FF2B5EF4-FFF2-40B4-BE49-F238E27FC236}">
-                <a16:creationId xmlns:a16="http://schemas.microsoft.com/office/drawing/2014/main" id="{2B4D8805-A51E-433B-AB49-7B1FB7B57CC0}"/>
-              </a:ext>
-            </a:extLst>
-          </p:cNvPr>
-          <p:cNvSpPr>
-            <a:spLocks noGrp="1"/>
-          </p:cNvSpPr>
+      <p:pic>
+        <p:nvPicPr>
+          <p:cNvPr id="5" name="İçerik Yer Tutucusu 4">
+            <a:extLst>
+              <a:ext uri="{FF2B5EF4-FFF2-40B4-BE49-F238E27FC236}">
+                <a16:creationId xmlns:a16="http://schemas.microsoft.com/office/drawing/2014/main" id="{306CE73B-4A96-0088-44D0-C61397275FAD}"/>
+              </a:ext>
+            </a:extLst>
+          </p:cNvPr>
+          <p:cNvPicPr>
+            <a:picLocks noGrp="1" noChangeAspect="1"/>
+          </p:cNvPicPr>
           <p:nvPr>
             <p:ph idx="1"/>
           </p:nvPr>
-        </p:nvSpPr>
-        <p:spPr/>
-        <p:txBody>
-          <a:bodyPr/>
-          <a:lstStyle/>
-          <a:p>
-            <a:endParaRPr lang="tr-TR"/>
-          </a:p>
-        </p:txBody>
-      </p:sp>
+        </p:nvPicPr>
+        <p:blipFill>
+          <a:blip r:embed="rId2">
+            <a:extLst>
+              <a:ext uri="{28A0092B-C50C-407E-A947-70E740481C1C}">
+                <a14:useLocalDpi xmlns:a14="http://schemas.microsoft.com/office/drawing/2010/main" val="0"/>
+              </a:ext>
+            </a:extLst>
+          </a:blip>
+          <a:stretch>
+            <a:fillRect/>
+          </a:stretch>
+        </p:blipFill>
+        <p:spPr>
+          <a:xfrm>
+            <a:off x="270858" y="586241"/>
+            <a:ext cx="11650284" cy="5685518"/>
+          </a:xfrm>
+        </p:spPr>
+      </p:pic>
     </p:spTree>
     <p:extLst>
       <p:ext uri="{BB962C8B-B14F-4D97-AF65-F5344CB8AC3E}">
-        <p14:creationId xmlns:p14="http://schemas.microsoft.com/office/powerpoint/2010/main" val="1927861848"/>
+        <p14:creationId xmlns:p14="http://schemas.microsoft.com/office/powerpoint/2010/main" val="3202800846"/>
       </p:ext>
     </p:extLst>
   </p:cSld>
@@ -5955,7 +5491,7 @@
           <p:cNvPr id="2" name="Başlık 1">
             <a:extLst>
               <a:ext uri="{FF2B5EF4-FFF2-40B4-BE49-F238E27FC236}">
-                <a16:creationId xmlns:a16="http://schemas.microsoft.com/office/drawing/2014/main" id="{BE43713C-4817-8ACD-5D80-8966C78DB131}"/>
+                <a16:creationId xmlns:a16="http://schemas.microsoft.com/office/drawing/2014/main" id="{BEFCCFAB-1D78-6F0A-461A-58EAAF03DFD6}"/>
               </a:ext>
             </a:extLst>
           </p:cNvPr>
@@ -5971,6 +5507,10 @@
           <a:bodyPr/>
           <a:lstStyle/>
           <a:p>
+            <a:r>
+              <a:rPr lang="tr-TR" dirty="0" err="1"/>
+              <a:t>Exceptions</a:t>
+            </a:r>
             <a:endParaRPr lang="tr-TR" dirty="0"/>
           </a:p>
         </p:txBody>
@@ -5980,7 +5520,7 @@
           <p:cNvPr id="3" name="İçerik Yer Tutucusu 2">
             <a:extLst>
               <a:ext uri="{FF2B5EF4-FFF2-40B4-BE49-F238E27FC236}">
-                <a16:creationId xmlns:a16="http://schemas.microsoft.com/office/drawing/2014/main" id="{C73929B3-9FC8-690A-BB1D-4F79B04B28D1}"/>
+                <a16:creationId xmlns:a16="http://schemas.microsoft.com/office/drawing/2014/main" id="{E5512357-3D1A-29B1-F9FD-F22F43BE2F1E}"/>
               </a:ext>
             </a:extLst>
           </p:cNvPr>
@@ -5997,16 +5537,62 @@
           <a:lstStyle/>
           <a:p>
             <a:r>
-              <a:rPr lang="tr-TR" dirty="0"/>
-              <a:t>https://stackoverflow.com/questions/35810229/how-to-display-and-set-click-event-on-back-arrow-on-toolbar</a:t>
-            </a:r>
+              <a:rPr lang="tr-TR" dirty="0" err="1">
+                <a:solidFill>
+                  <a:srgbClr val="FF0000"/>
+                </a:solidFill>
+              </a:rPr>
+              <a:t>android.os.NetworkOnMainThreadException</a:t>
+            </a:r>
+            <a:endParaRPr lang="tr-TR" dirty="0">
+              <a:solidFill>
+                <a:srgbClr val="FF0000"/>
+              </a:solidFill>
+            </a:endParaRPr>
+          </a:p>
+          <a:p>
+            <a:r>
+              <a:rPr lang="tr-TR" dirty="0" err="1">
+                <a:solidFill>
+                  <a:srgbClr val="FF0000"/>
+                </a:solidFill>
+              </a:rPr>
+              <a:t>java.lang.NullPointerException</a:t>
+            </a:r>
+            <a:endParaRPr lang="tr-TR" dirty="0">
+              <a:solidFill>
+                <a:srgbClr val="FF0000"/>
+              </a:solidFill>
+            </a:endParaRPr>
+          </a:p>
+          <a:p>
+            <a:r>
+              <a:rPr lang="tr-TR" dirty="0" err="1">
+                <a:solidFill>
+                  <a:srgbClr val="FF0000"/>
+                </a:solidFill>
+              </a:rPr>
+              <a:t>java.lang.IllegalStateException</a:t>
+            </a:r>
+            <a:endParaRPr lang="tr-TR" dirty="0">
+              <a:solidFill>
+                <a:srgbClr val="FF0000"/>
+              </a:solidFill>
+            </a:endParaRPr>
+          </a:p>
+          <a:p>
+            <a:endParaRPr lang="tr-TR" dirty="0">
+              <a:solidFill>
+                <a:srgbClr val="FF0000"/>
+              </a:solidFill>
+            </a:endParaRPr>
           </a:p>
         </p:txBody>
       </p:sp>
     </p:spTree>
     <p:extLst>
       <p:ext uri="{BB962C8B-B14F-4D97-AF65-F5344CB8AC3E}">
-        <p14:creationId xmlns:p14="http://schemas.microsoft.com/office/powerpoint/2010/main" val="674166607"/>
+        <p14:creationId xmlns:p14="http://schemas.microsoft.com/office/powerpoint/2010/main" val="1097812366"/>
       </p:ext>
     </p:extLst>
   </p:cSld>
